--- a/01_视频教程/课堂PPT/1-2-1_windows PC模拟器(codeblock)运行LVGL.pptx
+++ b/01_视频教程/课堂PPT/1-2-1_windows PC模拟器(codeblock)运行LVGL.pptx
@@ -3819,12 +3819,16 @@
           </a:lstStyle>
           <a:p>
             <a:r>
-              <a:rPr lang="zh-CN" altLang="en-US" dirty="0"/>
-              <a:t>获取</a:t>
+              <a:rPr lang="zh-CN" altLang="en-US"/>
+              <a:t>安装</a:t>
+            </a:r>
+            <a:r>
+              <a:rPr lang="en-US" altLang="zh-CN"/>
+              <a:t>Code</a:t>
             </a:r>
             <a:r>
               <a:rPr lang="en-US" altLang="zh-CN" dirty="0"/>
-              <a:t>Code::Block</a:t>
+              <a:t>::Block</a:t>
             </a:r>
             <a:endParaRPr lang="zh-CN" altLang="en-US" dirty="0"/>
           </a:p>
@@ -3846,7 +3850,7 @@
         </p:nvSpPr>
         <p:spPr>
           <a:xfrm>
-            <a:off x="838200" y="2372377"/>
+            <a:off x="838200" y="2202691"/>
             <a:ext cx="10515600" cy="1056623"/>
           </a:xfrm>
           <a:prstGeom prst="rect">
@@ -3971,62 +3975,40 @@
             </a:r>
             <a:r>
               <a:rPr lang="en-US" altLang="zh-CN" sz="2000" b="1" dirty="0"/>
-              <a:t>/codeblocks-20.03-setup.exe</a:t>
+              <a:t>/codeblocks-20.03mingw-setup</a:t>
             </a:r>
             <a:r>
               <a:rPr lang="zh-CN" altLang="en-US" sz="2000" dirty="0"/>
-              <a:t>”</a:t>
-            </a:r>
-          </a:p>
-        </p:txBody>
-      </p:sp>
-      <p:pic>
-        <p:nvPicPr>
-          <p:cNvPr id="3" name="图片 2">
-            <a:extLst>
-              <a:ext uri="{FF2B5EF4-FFF2-40B4-BE49-F238E27FC236}">
-                <a16:creationId xmlns:a16="http://schemas.microsoft.com/office/drawing/2014/main" id="{E5D42BC6-689F-42A0-9E9E-5A190048F4D4}"/>
-              </a:ext>
-            </a:extLst>
-          </p:cNvPr>
-          <p:cNvPicPr>
-            <a:picLocks noChangeAspect="1"/>
-          </p:cNvPicPr>
+              <a:t>”，选中“</a:t>
+            </a:r>
+            <a:r>
+              <a:rPr lang="en-US" altLang="zh-CN" sz="2000" dirty="0"/>
+              <a:t>codeblocks-20.03mingw-setup.zip</a:t>
+            </a:r>
+            <a:r>
+              <a:rPr lang="zh-CN" altLang="en-US" sz="2000" dirty="0"/>
+              <a:t>”右键进行解压分卷包：</a:t>
+            </a:r>
+          </a:p>
+        </p:txBody>
+      </p:sp>
+      <p:sp>
+        <p:nvSpPr>
+          <p:cNvPr id="6" name="内容占位符 2">
+            <a:extLst>
+              <a:ext uri="{FF2B5EF4-FFF2-40B4-BE49-F238E27FC236}">
+                <a16:creationId xmlns:a16="http://schemas.microsoft.com/office/drawing/2014/main" id="{B8277883-2959-4F7C-ACC2-2E91524530E1}"/>
+              </a:ext>
+            </a:extLst>
+          </p:cNvPr>
+          <p:cNvSpPr txBox="1">
+            <a:spLocks/>
+          </p:cNvSpPr>
           <p:nvPr/>
-        </p:nvPicPr>
-        <p:blipFill>
-          <a:blip r:embed="rId2"/>
-          <a:stretch>
-            <a:fillRect/>
-          </a:stretch>
-        </p:blipFill>
+        </p:nvSpPr>
         <p:spPr>
           <a:xfrm>
-            <a:off x="1154571" y="2857571"/>
-            <a:ext cx="6828571" cy="1142857"/>
-          </a:xfrm>
-          <a:prstGeom prst="rect">
-            <a:avLst/>
-          </a:prstGeom>
-        </p:spPr>
-      </p:pic>
-      <p:sp>
-        <p:nvSpPr>
-          <p:cNvPr id="6" name="内容占位符 2">
-            <a:extLst>
-              <a:ext uri="{FF2B5EF4-FFF2-40B4-BE49-F238E27FC236}">
-                <a16:creationId xmlns:a16="http://schemas.microsoft.com/office/drawing/2014/main" id="{B8277883-2959-4F7C-ACC2-2E91524530E1}"/>
-              </a:ext>
-            </a:extLst>
-          </p:cNvPr>
-          <p:cNvSpPr txBox="1">
-            <a:spLocks/>
-          </p:cNvSpPr>
-          <p:nvPr/>
-        </p:nvSpPr>
-        <p:spPr>
-          <a:xfrm>
-            <a:off x="838200" y="4000428"/>
+            <a:off x="838200" y="5128753"/>
             <a:ext cx="10515600" cy="1056623"/>
           </a:xfrm>
           <a:prstGeom prst="rect">
@@ -4135,16 +4117,25 @@
           <a:p>
             <a:r>
               <a:rPr lang="zh-CN" altLang="en-US" sz="1800" dirty="0"/>
-              <a:t>进入目录后双击 “</a:t>
-            </a:r>
-            <a:r>
-              <a:rPr lang="en-US" altLang="zh-CN" sz="2000" dirty="0"/>
-              <a:t>codeblocks-20.03-setup.exe</a:t>
-            </a:r>
-            <a:r>
-              <a:rPr lang="zh-CN" altLang="en-US" sz="2000" dirty="0"/>
-              <a:t>” 打开软件，默认安装即可。</a:t>
-            </a:r>
+              <a:t>解压后，双击“</a:t>
+            </a:r>
+            <a:r>
+              <a:rPr lang="en-US" altLang="zh-CN" sz="1800" dirty="0"/>
+              <a:t>codeblocks-20.03mingw-setup.exe</a:t>
+            </a:r>
+            <a:r>
+              <a:rPr lang="zh-CN" altLang="en-US" sz="1800" dirty="0"/>
+              <a:t>”安装</a:t>
+            </a:r>
+            <a:r>
+              <a:rPr lang="en-US" altLang="zh-CN" sz="1800" dirty="0"/>
+              <a:t>Code::Block</a:t>
+            </a:r>
+            <a:r>
+              <a:rPr lang="zh-CN" altLang="en-US" sz="1800" dirty="0"/>
+              <a:t>：</a:t>
+            </a:r>
+            <a:endParaRPr lang="zh-CN" altLang="en-US" sz="2000" dirty="0"/>
           </a:p>
         </p:txBody>
       </p:sp>
@@ -4178,7 +4169,7 @@
           <a:p>
             <a:r>
               <a:rPr lang="en-US" altLang="zh-CN" sz="1400" dirty="0">
-                <a:hlinkClick r:id="rId3"/>
+                <a:hlinkClick r:id="rId2"/>
               </a:rPr>
               <a:t>http://www.codeblocks.org</a:t>
             </a:r>
@@ -4186,6 +4177,66 @@
           </a:p>
         </p:txBody>
       </p:sp>
+      <p:pic>
+        <p:nvPicPr>
+          <p:cNvPr id="4" name="图片 3">
+            <a:extLst>
+              <a:ext uri="{FF2B5EF4-FFF2-40B4-BE49-F238E27FC236}">
+                <a16:creationId xmlns:a16="http://schemas.microsoft.com/office/drawing/2014/main" id="{C0FAE03E-7F74-4FF0-9F07-F8A62ADCA253}"/>
+              </a:ext>
+            </a:extLst>
+          </p:cNvPr>
+          <p:cNvPicPr>
+            <a:picLocks noChangeAspect="1"/>
+          </p:cNvPicPr>
+          <p:nvPr/>
+        </p:nvPicPr>
+        <p:blipFill>
+          <a:blip r:embed="rId3"/>
+          <a:stretch>
+            <a:fillRect/>
+          </a:stretch>
+        </p:blipFill>
+        <p:spPr>
+          <a:xfrm>
+            <a:off x="1252129" y="2868125"/>
+            <a:ext cx="5561905" cy="2161905"/>
+          </a:xfrm>
+          <a:prstGeom prst="rect">
+            <a:avLst/>
+          </a:prstGeom>
+        </p:spPr>
+      </p:pic>
+      <p:pic>
+        <p:nvPicPr>
+          <p:cNvPr id="8" name="图片 7">
+            <a:extLst>
+              <a:ext uri="{FF2B5EF4-FFF2-40B4-BE49-F238E27FC236}">
+                <a16:creationId xmlns:a16="http://schemas.microsoft.com/office/drawing/2014/main" id="{09FE7309-499A-41C5-A55B-5A7BE94B8B5A}"/>
+              </a:ext>
+            </a:extLst>
+          </p:cNvPr>
+          <p:cNvPicPr>
+            <a:picLocks noChangeAspect="1"/>
+          </p:cNvPicPr>
+          <p:nvPr/>
+        </p:nvPicPr>
+        <p:blipFill>
+          <a:blip r:embed="rId4"/>
+          <a:stretch>
+            <a:fillRect/>
+          </a:stretch>
+        </p:blipFill>
+        <p:spPr>
+          <a:xfrm>
+            <a:off x="1252129" y="5537757"/>
+            <a:ext cx="5904762" cy="647619"/>
+          </a:xfrm>
+          <a:prstGeom prst="rect">
+            <a:avLst/>
+          </a:prstGeom>
+        </p:spPr>
+      </p:pic>
     </p:spTree>
     <p:extLst>
       <p:ext uri="{BB962C8B-B14F-4D97-AF65-F5344CB8AC3E}">
@@ -4471,10 +4522,10 @@
       </p:sp>
       <p:pic>
         <p:nvPicPr>
-          <p:cNvPr id="4" name="图片 3">
-            <a:extLst>
-              <a:ext uri="{FF2B5EF4-FFF2-40B4-BE49-F238E27FC236}">
-                <a16:creationId xmlns:a16="http://schemas.microsoft.com/office/drawing/2014/main" id="{CF57A491-993B-4D3F-8D2E-438AEDDDC4A4}"/>
+          <p:cNvPr id="3" name="图片 2">
+            <a:extLst>
+              <a:ext uri="{FF2B5EF4-FFF2-40B4-BE49-F238E27FC236}">
+                <a16:creationId xmlns:a16="http://schemas.microsoft.com/office/drawing/2014/main" id="{2D4B8E79-F1E6-4830-B003-F70092B8142D}"/>
               </a:ext>
             </a:extLst>
           </p:cNvPr>
@@ -4483,15 +4534,16 @@
           </p:cNvPicPr>
           <p:nvPr/>
         </p:nvPicPr>
-        <p:blipFill rotWithShape="1">
+        <p:blipFill>
           <a:blip r:embed="rId3"/>
-          <a:srcRect t="1425"/>
-          <a:stretch/>
+          <a:stretch>
+            <a:fillRect/>
+          </a:stretch>
         </p:blipFill>
         <p:spPr>
           <a:xfrm>
-            <a:off x="1156115" y="2658357"/>
-            <a:ext cx="6177214" cy="3629320"/>
+            <a:off x="1146690" y="2625798"/>
+            <a:ext cx="5289028" cy="3671307"/>
           </a:xfrm>
           <a:prstGeom prst="rect">
             <a:avLst/>
